--- a/Slide/PTTK-HT.pptx
+++ b/Slide/PTTK-HT.pptx
@@ -53,17 +53,16 @@
     <p:sldId id="298" r:id="rId48"/>
     <p:sldId id="299" r:id="rId49"/>
     <p:sldId id="300" r:id="rId50"/>
-    <p:sldId id="301" r:id="rId51"/>
   </p:sldIdLst>
   <p:sldSz cy="5143500" cx="9144000"/>
   <p:notesSz cx="6858000" cy="9144000"/>
   <p:embeddedFontLst>
     <p:embeddedFont>
       <p:font typeface="Lato"/>
-      <p:regular r:id="rId52"/>
-      <p:bold r:id="rId53"/>
-      <p:italic r:id="rId54"/>
-      <p:boldItalic r:id="rId55"/>
+      <p:regular r:id="rId51"/>
+      <p:bold r:id="rId52"/>
+      <p:italic r:id="rId53"/>
+      <p:boldItalic r:id="rId54"/>
     </p:embeddedFont>
   </p:embeddedFontLst>
   <p:defaultTextStyle>
@@ -4125,7 +4124,7 @@
       </p:grpSpPr>
       <p:sp>
         <p:nvSpPr>
-          <p:cNvPr id="356" name="Google Shape;356;g36198a2e198_1_29:notes"/>
+          <p:cNvPr id="356" name="Google Shape;356;g36176651e89_8_154:notes"/>
           <p:cNvSpPr txBox="1"/>
           <p:nvPr>
             <p:ph idx="1" type="body"/>
@@ -4164,7 +4163,7 @@
       </p:sp>
       <p:sp>
         <p:nvSpPr>
-          <p:cNvPr id="357" name="Google Shape;357;g36198a2e198_1_29:notes"/>
+          <p:cNvPr id="357" name="Google Shape;357;g36176651e89_8_154:notes"/>
           <p:cNvSpPr/>
           <p:nvPr>
             <p:ph idx="2" type="sldImg"/>
@@ -4224,7 +4223,7 @@
       </p:grpSpPr>
       <p:sp>
         <p:nvSpPr>
-          <p:cNvPr id="364" name="Google Shape;364;g36176651e89_8_154:notes"/>
+          <p:cNvPr id="364" name="Google Shape;364;g36176651e89_8_160:notes"/>
           <p:cNvSpPr txBox="1"/>
           <p:nvPr>
             <p:ph idx="1" type="body"/>
@@ -4263,7 +4262,7 @@
       </p:sp>
       <p:sp>
         <p:nvSpPr>
-          <p:cNvPr id="365" name="Google Shape;365;g36176651e89_8_154:notes"/>
+          <p:cNvPr id="365" name="Google Shape;365;g36176651e89_8_160:notes"/>
           <p:cNvSpPr/>
           <p:nvPr>
             <p:ph idx="2" type="sldImg"/>
@@ -4323,7 +4322,7 @@
       </p:grpSpPr>
       <p:sp>
         <p:nvSpPr>
-          <p:cNvPr id="372" name="Google Shape;372;g36176651e89_8_160:notes"/>
+          <p:cNvPr id="372" name="Google Shape;372;g36176651e89_8_166:notes"/>
           <p:cNvSpPr txBox="1"/>
           <p:nvPr>
             <p:ph idx="1" type="body"/>
@@ -4362,7 +4361,7 @@
       </p:sp>
       <p:sp>
         <p:nvSpPr>
-          <p:cNvPr id="373" name="Google Shape;373;g36176651e89_8_160:notes"/>
+          <p:cNvPr id="373" name="Google Shape;373;g36176651e89_8_166:notes"/>
           <p:cNvSpPr/>
           <p:nvPr>
             <p:ph idx="2" type="sldImg"/>
@@ -4422,7 +4421,7 @@
       </p:grpSpPr>
       <p:sp>
         <p:nvSpPr>
-          <p:cNvPr id="380" name="Google Shape;380;g36176651e89_8_166:notes"/>
+          <p:cNvPr id="380" name="Google Shape;380;g36198a2e198_1_14:notes"/>
           <p:cNvSpPr txBox="1"/>
           <p:nvPr>
             <p:ph idx="1" type="body"/>
@@ -4461,7 +4460,7 @@
       </p:sp>
       <p:sp>
         <p:nvSpPr>
-          <p:cNvPr id="381" name="Google Shape;381;g36176651e89_8_166:notes"/>
+          <p:cNvPr id="381" name="Google Shape;381;g36198a2e198_1_14:notes"/>
           <p:cNvSpPr/>
           <p:nvPr>
             <p:ph idx="2" type="sldImg"/>
@@ -4521,7 +4520,7 @@
       </p:grpSpPr>
       <p:sp>
         <p:nvSpPr>
-          <p:cNvPr id="388" name="Google Shape;388;g36198a2e198_1_14:notes"/>
+          <p:cNvPr id="388" name="Google Shape;388;g36176651e89_9_0:notes"/>
           <p:cNvSpPr txBox="1"/>
           <p:nvPr>
             <p:ph idx="1" type="body"/>
@@ -4560,7 +4559,7 @@
       </p:sp>
       <p:sp>
         <p:nvSpPr>
-          <p:cNvPr id="389" name="Google Shape;389;g36198a2e198_1_14:notes"/>
+          <p:cNvPr id="389" name="Google Shape;389;g36176651e89_9_0:notes"/>
           <p:cNvSpPr/>
           <p:nvPr>
             <p:ph idx="2" type="sldImg"/>
@@ -4606,7 +4605,7 @@
   <p:cSld>
     <p:spTree>
       <p:nvGrpSpPr>
-        <p:cNvPr id="395" name="Shape 395"/>
+        <p:cNvPr id="394" name="Shape 394"/>
         <p:cNvGrpSpPr/>
         <p:nvPr/>
       </p:nvGrpSpPr>
@@ -4620,7 +4619,7 @@
       </p:grpSpPr>
       <p:sp>
         <p:nvSpPr>
-          <p:cNvPr id="396" name="Google Shape;396;g36176651e89_9_0:notes"/>
+          <p:cNvPr id="395" name="Google Shape;395;g36176651e89_2_19:notes"/>
           <p:cNvSpPr txBox="1"/>
           <p:nvPr>
             <p:ph idx="1" type="body"/>
@@ -4659,106 +4658,7 @@
       </p:sp>
       <p:sp>
         <p:nvSpPr>
-          <p:cNvPr id="397" name="Google Shape;397;g36176651e89_9_0:notes"/>
-          <p:cNvSpPr/>
-          <p:nvPr>
-            <p:ph idx="2" type="sldImg"/>
-          </p:nvPr>
-        </p:nvSpPr>
-        <p:spPr>
-          <a:xfrm>
-            <a:off x="685800" y="1143000"/>
-            <a:ext cx="5486400" cy="3086100"/>
-          </a:xfrm>
-          <a:custGeom>
-            <a:rect b="b" l="l" r="r" t="t"/>
-            <a:pathLst>
-              <a:path extrusionOk="0" h="120000" w="120000">
-                <a:moveTo>
-                  <a:pt x="0" y="0"/>
-                </a:moveTo>
-                <a:lnTo>
-                  <a:pt x="120000" y="0"/>
-                </a:lnTo>
-                <a:lnTo>
-                  <a:pt x="120000" y="120000"/>
-                </a:lnTo>
-                <a:lnTo>
-                  <a:pt x="0" y="120000"/>
-                </a:lnTo>
-                <a:close/>
-              </a:path>
-            </a:pathLst>
-          </a:custGeom>
-        </p:spPr>
-      </p:sp>
-    </p:spTree>
-  </p:cSld>
-  <p:clrMapOvr>
-    <a:masterClrMapping/>
-  </p:clrMapOvr>
-</p:notes>
-</file>
-
-<file path=ppt/notesSlides/notesSlide46.xml><?xml version="1.0" encoding="utf-8"?>
-<p:notes xmlns:a="http://schemas.openxmlformats.org/drawingml/2006/main" xmlns:r="http://schemas.openxmlformats.org/officeDocument/2006/relationships" xmlns:mc="http://schemas.openxmlformats.org/markup-compatibility/2006" xmlns:mv="urn:schemas-microsoft-com:mac:vml" xmlns:p="http://schemas.openxmlformats.org/presentationml/2006/main" xmlns:c="http://schemas.openxmlformats.org/drawingml/2006/chart" xmlns:dgm="http://schemas.openxmlformats.org/drawingml/2006/diagram" xmlns:o="urn:schemas-microsoft-com:office:office" xmlns:v="urn:schemas-microsoft-com:vml" xmlns:pvml="urn:schemas-microsoft-com:office:powerpoint" xmlns:com="http://schemas.openxmlformats.org/drawingml/2006/compatibility" xmlns:p14="http://schemas.microsoft.com/office/powerpoint/2010/main" xmlns:p15="http://schemas.microsoft.com/office/powerpoint/2012/main" xmlns:ahyp="http://schemas.microsoft.com/office/drawing/2018/hyperlinkcolor" showMasterPhAnim="0" showMasterSp="0">
-  <p:cSld>
-    <p:spTree>
-      <p:nvGrpSpPr>
-        <p:cNvPr id="402" name="Shape 402"/>
-        <p:cNvGrpSpPr/>
-        <p:nvPr/>
-      </p:nvGrpSpPr>
-      <p:grpSpPr>
-        <a:xfrm>
-          <a:off x="0" y="0"/>
-          <a:ext cx="0" cy="0"/>
-          <a:chOff x="0" y="0"/>
-          <a:chExt cx="0" cy="0"/>
-        </a:xfrm>
-      </p:grpSpPr>
-      <p:sp>
-        <p:nvSpPr>
-          <p:cNvPr id="403" name="Google Shape;403;g36176651e89_2_19:notes"/>
-          <p:cNvSpPr txBox="1"/>
-          <p:nvPr>
-            <p:ph idx="1" type="body"/>
-          </p:nvPr>
-        </p:nvSpPr>
-        <p:spPr>
-          <a:xfrm>
-            <a:off x="685800" y="4400550"/>
-            <a:ext cx="5486400" cy="3600600"/>
-          </a:xfrm>
-          <a:prstGeom prst="rect">
-            <a:avLst/>
-          </a:prstGeom>
-        </p:spPr>
-        <p:txBody>
-          <a:bodyPr anchorCtr="0" anchor="t" bIns="91425" lIns="91425" spcFirstLastPara="1" rIns="91425" wrap="square" tIns="91425">
-            <a:noAutofit/>
-          </a:bodyPr>
-          <a:lstStyle/>
-          <a:p>
-            <a:pPr indent="0" lvl="0" marL="0" rtl="0" algn="l">
-              <a:spcBef>
-                <a:spcPts val="0"/>
-              </a:spcBef>
-              <a:spcAft>
-                <a:spcPts val="0"/>
-              </a:spcAft>
-              <a:buNone/>
-            </a:pPr>
-            <a:r>
-              <a:t/>
-            </a:r>
-            <a:endParaRPr/>
-          </a:p>
-        </p:txBody>
-      </p:sp>
-      <p:sp>
-        <p:nvSpPr>
-          <p:cNvPr id="404" name="Google Shape;404;g36176651e89_2_19:notes"/>
+          <p:cNvPr id="396" name="Google Shape;396;g36176651e89_2_19:notes"/>
           <p:cNvSpPr/>
           <p:nvPr>
             <p:ph idx="2" type="sldImg"/>
@@ -13141,37 +13041,9 @@
           </a:p>
         </p:txBody>
       </p:sp>
-      <p:pic>
-        <p:nvPicPr>
+      <p:sp>
+        <p:nvSpPr>
           <p:cNvPr id="173" name="Google Shape;173;p33"/>
-          <p:cNvPicPr preferRelativeResize="0"/>
-          <p:nvPr/>
-        </p:nvPicPr>
-        <p:blipFill>
-          <a:blip r:embed="rId3">
-            <a:alphaModFix/>
-          </a:blip>
-          <a:stretch>
-            <a:fillRect/>
-          </a:stretch>
-        </p:blipFill>
-        <p:spPr>
-          <a:xfrm>
-            <a:off x="2157300" y="662938"/>
-            <a:ext cx="5146574" cy="4000875"/>
-          </a:xfrm>
-          <a:prstGeom prst="rect">
-            <a:avLst/>
-          </a:prstGeom>
-          <a:noFill/>
-          <a:ln>
-            <a:noFill/>
-          </a:ln>
-        </p:spPr>
-      </p:pic>
-      <p:sp>
-        <p:nvSpPr>
-          <p:cNvPr id="174" name="Google Shape;174;p33"/>
           <p:cNvSpPr txBox="1"/>
           <p:nvPr/>
         </p:nvSpPr>
@@ -13256,6 +13128,34 @@
           </a:p>
         </p:txBody>
       </p:sp>
+      <p:pic>
+        <p:nvPicPr>
+          <p:cNvPr id="174" name="Google Shape;174;p33" title="message_state.drawio.png"/>
+          <p:cNvPicPr preferRelativeResize="0"/>
+          <p:nvPr/>
+        </p:nvPicPr>
+        <p:blipFill>
+          <a:blip r:embed="rId3">
+            <a:alphaModFix/>
+          </a:blip>
+          <a:stretch>
+            <a:fillRect/>
+          </a:stretch>
+        </p:blipFill>
+        <p:spPr>
+          <a:xfrm>
+            <a:off x="2558475" y="748000"/>
+            <a:ext cx="3739550" cy="3686049"/>
+          </a:xfrm>
+          <a:prstGeom prst="rect">
+            <a:avLst/>
+          </a:prstGeom>
+          <a:noFill/>
+          <a:ln>
+            <a:noFill/>
+          </a:ln>
+        </p:spPr>
+      </p:pic>
     </p:spTree>
   </p:cSld>
   <p:clrMapOvr>
@@ -14461,7 +14361,7 @@
                 <a:cs typeface="Source Sans Pro"/>
                 <a:sym typeface="Source Sans Pro"/>
               </a:rPr>
-              <a:t>GVHD: T.S Trần Việt Trung</a:t>
+              <a:t>GVHD: TS. Trần Việt Trung</a:t>
             </a:r>
             <a:endParaRPr>
               <a:solidFill>
@@ -19757,7 +19657,7 @@
         <p:spPr>
           <a:xfrm>
             <a:off x="192775" y="748000"/>
-            <a:ext cx="8716200" cy="3820200"/>
+            <a:ext cx="2057400" cy="3820200"/>
           </a:xfrm>
           <a:prstGeom prst="rect">
             <a:avLst/>
@@ -19782,6 +19682,41 @@
               </a:spcBef>
               <a:spcAft>
                 <a:spcPts val="0"/>
+              </a:spcAft>
+              <a:buNone/>
+            </a:pPr>
+            <a:r>
+              <a:rPr lang="vi" sz="1800">
+                <a:solidFill>
+                  <a:schemeClr val="dk1"/>
+                </a:solidFill>
+                <a:latin typeface="Source Sans Pro"/>
+                <a:ea typeface="Source Sans Pro"/>
+                <a:cs typeface="Source Sans Pro"/>
+                <a:sym typeface="Source Sans Pro"/>
+              </a:rPr>
+              <a:t>Sequence Diagram</a:t>
+            </a:r>
+            <a:endParaRPr sz="1800">
+              <a:solidFill>
+                <a:schemeClr val="dk1"/>
+              </a:solidFill>
+              <a:latin typeface="Source Sans Pro"/>
+              <a:ea typeface="Source Sans Pro"/>
+              <a:cs typeface="Source Sans Pro"/>
+              <a:sym typeface="Source Sans Pro"/>
+            </a:endParaRPr>
+          </a:p>
+          <a:p>
+            <a:pPr indent="0" lvl="0" marL="0" rtl="0" algn="l">
+              <a:lnSpc>
+                <a:spcPct val="115000"/>
+              </a:lnSpc>
+              <a:spcBef>
+                <a:spcPts val="1200"/>
+              </a:spcBef>
+              <a:spcAft>
+                <a:spcPts val="1200"/>
               </a:spcAft>
               <a:buNone/>
             </a:pPr>
@@ -19798,51 +19733,26 @@
               <a:sym typeface="Source Sans Pro"/>
             </a:endParaRPr>
           </a:p>
-          <a:p>
-            <a:pPr indent="0" lvl="0" marL="0" rtl="0" algn="l">
-              <a:lnSpc>
-                <a:spcPct val="115000"/>
-              </a:lnSpc>
-              <a:spcBef>
-                <a:spcPts val="1200"/>
-              </a:spcBef>
-              <a:spcAft>
-                <a:spcPts val="1200"/>
-              </a:spcAft>
-              <a:buNone/>
-            </a:pPr>
-            <a:r>
-              <a:t/>
-            </a:r>
-            <a:endParaRPr sz="1800">
-              <a:solidFill>
-                <a:schemeClr val="dk1"/>
-              </a:solidFill>
-              <a:latin typeface="Source Sans Pro"/>
-              <a:ea typeface="Source Sans Pro"/>
-              <a:cs typeface="Source Sans Pro"/>
-              <a:sym typeface="Source Sans Pro"/>
-            </a:endParaRPr>
-          </a:p>
         </p:txBody>
       </p:sp>
       <p:pic>
         <p:nvPicPr>
-          <p:cNvPr id="362" name="Google Shape;362;p57" title="Untitled Diagram.drawio.png"/>
+          <p:cNvPr id="362" name="Google Shape;362;p57" title="Untitled Diagram.drawio (1).png"/>
           <p:cNvPicPr preferRelativeResize="0"/>
           <p:nvPr/>
         </p:nvPicPr>
-        <p:blipFill rotWithShape="1">
+        <p:blipFill>
           <a:blip r:embed="rId3">
             <a:alphaModFix/>
           </a:blip>
-          <a:srcRect b="0" l="0" r="0" t="43448"/>
-          <a:stretch/>
+          <a:stretch>
+            <a:fillRect/>
+          </a:stretch>
         </p:blipFill>
         <p:spPr>
           <a:xfrm>
-            <a:off x="1279312" y="474100"/>
-            <a:ext cx="6585428" cy="4669399"/>
+            <a:off x="2402575" y="550060"/>
+            <a:ext cx="5649569" cy="4226636"/>
           </a:xfrm>
           <a:prstGeom prst="rect">
             <a:avLst/>
@@ -19988,7 +19898,7 @@
         <p:spPr>
           <a:xfrm>
             <a:off x="192775" y="748000"/>
-            <a:ext cx="2057400" cy="3820200"/>
+            <a:ext cx="1758900" cy="3820200"/>
           </a:xfrm>
           <a:prstGeom prst="rect">
             <a:avLst/>
@@ -20012,7 +19922,7 @@
                 <a:spcPts val="1200"/>
               </a:spcBef>
               <a:spcAft>
-                <a:spcPts val="0"/>
+                <a:spcPts val="1200"/>
               </a:spcAft>
               <a:buNone/>
             </a:pPr>
@@ -20026,7 +19936,7 @@
                 <a:cs typeface="Source Sans Pro"/>
                 <a:sym typeface="Source Sans Pro"/>
               </a:rPr>
-              <a:t>Sequence Diagram</a:t>
+              <a:t>Class Diagram</a:t>
             </a:r>
             <a:endParaRPr sz="1800">
               <a:solidFill>
@@ -20038,37 +19948,11 @@
               <a:sym typeface="Source Sans Pro"/>
             </a:endParaRPr>
           </a:p>
-          <a:p>
-            <a:pPr indent="0" lvl="0" marL="0" rtl="0" algn="l">
-              <a:lnSpc>
-                <a:spcPct val="115000"/>
-              </a:lnSpc>
-              <a:spcBef>
-                <a:spcPts val="1200"/>
-              </a:spcBef>
-              <a:spcAft>
-                <a:spcPts val="1200"/>
-              </a:spcAft>
-              <a:buNone/>
-            </a:pPr>
-            <a:r>
-              <a:t/>
-            </a:r>
-            <a:endParaRPr sz="1800">
-              <a:solidFill>
-                <a:schemeClr val="dk1"/>
-              </a:solidFill>
-              <a:latin typeface="Source Sans Pro"/>
-              <a:ea typeface="Source Sans Pro"/>
-              <a:cs typeface="Source Sans Pro"/>
-              <a:sym typeface="Source Sans Pro"/>
-            </a:endParaRPr>
-          </a:p>
         </p:txBody>
       </p:sp>
       <p:pic>
         <p:nvPicPr>
-          <p:cNvPr id="370" name="Google Shape;370;p58" title="Untitled Diagram.drawio (1).png"/>
+          <p:cNvPr id="370" name="Google Shape;370;p58" title="Untitled Diagram.drawio (2).png"/>
           <p:cNvPicPr preferRelativeResize="0"/>
           <p:nvPr/>
         </p:nvPicPr>
@@ -20082,8 +19966,8 @@
         </p:blipFill>
         <p:spPr>
           <a:xfrm>
-            <a:off x="2402575" y="550060"/>
-            <a:ext cx="5649569" cy="4226636"/>
+            <a:off x="2527650" y="598460"/>
+            <a:ext cx="3502923" cy="4441040"/>
           </a:xfrm>
           <a:prstGeom prst="rect">
             <a:avLst/>
@@ -20228,8 +20112,8 @@
         </p:nvSpPr>
         <p:spPr>
           <a:xfrm>
-            <a:off x="192775" y="748000"/>
-            <a:ext cx="1758900" cy="3820200"/>
+            <a:off x="235075" y="639600"/>
+            <a:ext cx="2711100" cy="436800"/>
           </a:xfrm>
           <a:prstGeom prst="rect">
             <a:avLst/>
@@ -20253,7 +20137,7 @@
                 <a:spcPts val="1200"/>
               </a:spcBef>
               <a:spcAft>
-                <a:spcPts val="1200"/>
+                <a:spcPts val="0"/>
               </a:spcAft>
               <a:buNone/>
             </a:pPr>
@@ -20267,7 +20151,7 @@
                 <a:cs typeface="Source Sans Pro"/>
                 <a:sym typeface="Source Sans Pro"/>
               </a:rPr>
-              <a:t>Class Diagram</a:t>
+              <a:t>State Machine Diagram</a:t>
             </a:r>
             <a:endParaRPr sz="1800">
               <a:solidFill>
@@ -20279,11 +20163,37 @@
               <a:sym typeface="Source Sans Pro"/>
             </a:endParaRPr>
           </a:p>
+          <a:p>
+            <a:pPr indent="0" lvl="0" marL="0" rtl="0" algn="l">
+              <a:lnSpc>
+                <a:spcPct val="115000"/>
+              </a:lnSpc>
+              <a:spcBef>
+                <a:spcPts val="1200"/>
+              </a:spcBef>
+              <a:spcAft>
+                <a:spcPts val="1200"/>
+              </a:spcAft>
+              <a:buNone/>
+            </a:pPr>
+            <a:r>
+              <a:t/>
+            </a:r>
+            <a:endParaRPr sz="1800">
+              <a:solidFill>
+                <a:schemeClr val="dk1"/>
+              </a:solidFill>
+              <a:latin typeface="Source Sans Pro"/>
+              <a:ea typeface="Source Sans Pro"/>
+              <a:cs typeface="Source Sans Pro"/>
+              <a:sym typeface="Source Sans Pro"/>
+            </a:endParaRPr>
+          </a:p>
         </p:txBody>
       </p:sp>
       <p:pic>
         <p:nvPicPr>
-          <p:cNvPr id="378" name="Google Shape;378;p59" title="Untitled Diagram.drawio (2).png"/>
+          <p:cNvPr id="378" name="Google Shape;378;p59" title="Untitled Diagram.drawio (6).png"/>
           <p:cNvPicPr preferRelativeResize="0"/>
           <p:nvPr/>
         </p:nvPicPr>
@@ -20297,8 +20207,8 @@
         </p:blipFill>
         <p:spPr>
           <a:xfrm>
-            <a:off x="2527650" y="598460"/>
-            <a:ext cx="3502923" cy="4441040"/>
+            <a:off x="1229500" y="1023050"/>
+            <a:ext cx="7248152" cy="3547894"/>
           </a:xfrm>
           <a:prstGeom prst="rect">
             <a:avLst/>
@@ -20424,7 +20334,7 @@
                 <a:cs typeface="Source Sans Pro"/>
                 <a:sym typeface="Source Sans Pro"/>
               </a:rPr>
-              <a:t>2.5.	Chức năng thanh toán, nâng cấp Nitro</a:t>
+              <a:t>2.6. Database</a:t>
             </a:r>
             <a:endParaRPr b="0">
               <a:latin typeface="Source Sans Pro"/>
@@ -20443,8 +20353,8 @@
         </p:nvSpPr>
         <p:spPr>
           <a:xfrm>
-            <a:off x="235075" y="639600"/>
-            <a:ext cx="2711100" cy="436800"/>
+            <a:off x="192775" y="748000"/>
+            <a:ext cx="8716200" cy="3820200"/>
           </a:xfrm>
           <a:prstGeom prst="rect">
             <a:avLst/>
@@ -20469,41 +20379,6 @@
               </a:spcBef>
               <a:spcAft>
                 <a:spcPts val="0"/>
-              </a:spcAft>
-              <a:buNone/>
-            </a:pPr>
-            <a:r>
-              <a:rPr lang="vi" sz="1800">
-                <a:solidFill>
-                  <a:schemeClr val="dk1"/>
-                </a:solidFill>
-                <a:latin typeface="Source Sans Pro"/>
-                <a:ea typeface="Source Sans Pro"/>
-                <a:cs typeface="Source Sans Pro"/>
-                <a:sym typeface="Source Sans Pro"/>
-              </a:rPr>
-              <a:t>State Machine Diagram</a:t>
-            </a:r>
-            <a:endParaRPr sz="1800">
-              <a:solidFill>
-                <a:schemeClr val="dk1"/>
-              </a:solidFill>
-              <a:latin typeface="Source Sans Pro"/>
-              <a:ea typeface="Source Sans Pro"/>
-              <a:cs typeface="Source Sans Pro"/>
-              <a:sym typeface="Source Sans Pro"/>
-            </a:endParaRPr>
-          </a:p>
-          <a:p>
-            <a:pPr indent="0" lvl="0" marL="0" rtl="0" algn="l">
-              <a:lnSpc>
-                <a:spcPct val="115000"/>
-              </a:lnSpc>
-              <a:spcBef>
-                <a:spcPts val="1200"/>
-              </a:spcBef>
-              <a:spcAft>
-                <a:spcPts val="1200"/>
               </a:spcAft>
               <a:buNone/>
             </a:pPr>
@@ -20520,11 +20395,37 @@
               <a:sym typeface="Source Sans Pro"/>
             </a:endParaRPr>
           </a:p>
+          <a:p>
+            <a:pPr indent="0" lvl="0" marL="0" rtl="0" algn="l">
+              <a:lnSpc>
+                <a:spcPct val="115000"/>
+              </a:lnSpc>
+              <a:spcBef>
+                <a:spcPts val="1200"/>
+              </a:spcBef>
+              <a:spcAft>
+                <a:spcPts val="1200"/>
+              </a:spcAft>
+              <a:buNone/>
+            </a:pPr>
+            <a:r>
+              <a:t/>
+            </a:r>
+            <a:endParaRPr sz="1800">
+              <a:solidFill>
+                <a:schemeClr val="dk1"/>
+              </a:solidFill>
+              <a:latin typeface="Source Sans Pro"/>
+              <a:ea typeface="Source Sans Pro"/>
+              <a:cs typeface="Source Sans Pro"/>
+              <a:sym typeface="Source Sans Pro"/>
+            </a:endParaRPr>
+          </a:p>
         </p:txBody>
       </p:sp>
       <p:pic>
         <p:nvPicPr>
-          <p:cNvPr id="386" name="Google Shape;386;p60" title="Nitro State.drawio (1).png"/>
+          <p:cNvPr id="386" name="Google Shape;386;p60" title="database_final.png"/>
           <p:cNvPicPr preferRelativeResize="0"/>
           <p:nvPr/>
         </p:nvPicPr>
@@ -20538,8 +20439,8 @@
         </p:blipFill>
         <p:spPr>
           <a:xfrm>
-            <a:off x="622238" y="1125350"/>
-            <a:ext cx="7857274" cy="3733925"/>
+            <a:off x="1004097" y="487100"/>
+            <a:ext cx="7093552" cy="4656401"/>
           </a:xfrm>
           <a:prstGeom prst="rect">
             <a:avLst/>
@@ -20665,238 +20566,6 @@
                 <a:cs typeface="Source Sans Pro"/>
                 <a:sym typeface="Source Sans Pro"/>
               </a:rPr>
-              <a:t>Database</a:t>
-            </a:r>
-            <a:endParaRPr b="0">
-              <a:latin typeface="Source Sans Pro"/>
-              <a:ea typeface="Source Sans Pro"/>
-              <a:cs typeface="Source Sans Pro"/>
-              <a:sym typeface="Source Sans Pro"/>
-            </a:endParaRPr>
-          </a:p>
-        </p:txBody>
-      </p:sp>
-      <p:sp>
-        <p:nvSpPr>
-          <p:cNvPr id="393" name="Google Shape;393;p61"/>
-          <p:cNvSpPr txBox="1"/>
-          <p:nvPr/>
-        </p:nvSpPr>
-        <p:spPr>
-          <a:xfrm>
-            <a:off x="192775" y="748000"/>
-            <a:ext cx="8716200" cy="3820200"/>
-          </a:xfrm>
-          <a:prstGeom prst="rect">
-            <a:avLst/>
-          </a:prstGeom>
-          <a:noFill/>
-          <a:ln>
-            <a:noFill/>
-          </a:ln>
-        </p:spPr>
-        <p:txBody>
-          <a:bodyPr anchorCtr="0" anchor="t" bIns="91425" lIns="91425" spcFirstLastPara="1" rIns="91425" wrap="square" tIns="91425">
-            <a:noAutofit/>
-          </a:bodyPr>
-          <a:lstStyle/>
-          <a:p>
-            <a:pPr indent="0" lvl="0" marL="0" rtl="0" algn="l">
-              <a:lnSpc>
-                <a:spcPct val="115000"/>
-              </a:lnSpc>
-              <a:spcBef>
-                <a:spcPts val="1200"/>
-              </a:spcBef>
-              <a:spcAft>
-                <a:spcPts val="0"/>
-              </a:spcAft>
-              <a:buNone/>
-            </a:pPr>
-            <a:r>
-              <a:t/>
-            </a:r>
-            <a:endParaRPr sz="1800">
-              <a:solidFill>
-                <a:schemeClr val="dk1"/>
-              </a:solidFill>
-              <a:latin typeface="Source Sans Pro"/>
-              <a:ea typeface="Source Sans Pro"/>
-              <a:cs typeface="Source Sans Pro"/>
-              <a:sym typeface="Source Sans Pro"/>
-            </a:endParaRPr>
-          </a:p>
-          <a:p>
-            <a:pPr indent="0" lvl="0" marL="0" rtl="0" algn="l">
-              <a:lnSpc>
-                <a:spcPct val="115000"/>
-              </a:lnSpc>
-              <a:spcBef>
-                <a:spcPts val="1200"/>
-              </a:spcBef>
-              <a:spcAft>
-                <a:spcPts val="1200"/>
-              </a:spcAft>
-              <a:buNone/>
-            </a:pPr>
-            <a:r>
-              <a:t/>
-            </a:r>
-            <a:endParaRPr sz="1800">
-              <a:solidFill>
-                <a:schemeClr val="dk1"/>
-              </a:solidFill>
-              <a:latin typeface="Source Sans Pro"/>
-              <a:ea typeface="Source Sans Pro"/>
-              <a:cs typeface="Source Sans Pro"/>
-              <a:sym typeface="Source Sans Pro"/>
-            </a:endParaRPr>
-          </a:p>
-        </p:txBody>
-      </p:sp>
-      <p:pic>
-        <p:nvPicPr>
-          <p:cNvPr id="394" name="Google Shape;394;p61" title="database_final.png"/>
-          <p:cNvPicPr preferRelativeResize="0"/>
-          <p:nvPr/>
-        </p:nvPicPr>
-        <p:blipFill>
-          <a:blip r:embed="rId3">
-            <a:alphaModFix/>
-          </a:blip>
-          <a:stretch>
-            <a:fillRect/>
-          </a:stretch>
-        </p:blipFill>
-        <p:spPr>
-          <a:xfrm>
-            <a:off x="1004097" y="487100"/>
-            <a:ext cx="7093552" cy="4656401"/>
-          </a:xfrm>
-          <a:prstGeom prst="rect">
-            <a:avLst/>
-          </a:prstGeom>
-          <a:noFill/>
-          <a:ln>
-            <a:noFill/>
-          </a:ln>
-        </p:spPr>
-      </p:pic>
-    </p:spTree>
-  </p:cSld>
-  <p:clrMapOvr>
-    <a:masterClrMapping/>
-  </p:clrMapOvr>
-</p:sld>
-</file>
-
-<file path=ppt/slides/slide45.xml><?xml version="1.0" encoding="utf-8"?>
-<p:sld xmlns:a="http://schemas.openxmlformats.org/drawingml/2006/main" xmlns:r="http://schemas.openxmlformats.org/officeDocument/2006/relationships" xmlns:mc="http://schemas.openxmlformats.org/markup-compatibility/2006" xmlns:mv="urn:schemas-microsoft-com:mac:vml" xmlns:p="http://schemas.openxmlformats.org/presentationml/2006/main" xmlns:c="http://schemas.openxmlformats.org/drawingml/2006/chart" xmlns:dgm="http://schemas.openxmlformats.org/drawingml/2006/diagram" xmlns:o="urn:schemas-microsoft-com:office:office" xmlns:v="urn:schemas-microsoft-com:vml" xmlns:pvml="urn:schemas-microsoft-com:office:powerpoint" xmlns:com="http://schemas.openxmlformats.org/drawingml/2006/compatibility" xmlns:p14="http://schemas.microsoft.com/office/powerpoint/2010/main" xmlns:p15="http://schemas.microsoft.com/office/powerpoint/2012/main" xmlns:ahyp="http://schemas.microsoft.com/office/drawing/2018/hyperlinkcolor">
-  <p:cSld>
-    <p:spTree>
-      <p:nvGrpSpPr>
-        <p:cNvPr id="398" name="Shape 398"/>
-        <p:cNvGrpSpPr/>
-        <p:nvPr/>
-      </p:nvGrpSpPr>
-      <p:grpSpPr>
-        <a:xfrm>
-          <a:off x="0" y="0"/>
-          <a:ext cx="0" cy="0"/>
-          <a:chOff x="0" y="0"/>
-          <a:chExt cx="0" cy="0"/>
-        </a:xfrm>
-      </p:grpSpPr>
-      <p:sp>
-        <p:nvSpPr>
-          <p:cNvPr id="399" name="Google Shape;399;p62"/>
-          <p:cNvSpPr txBox="1"/>
-          <p:nvPr>
-            <p:ph idx="12" type="sldNum"/>
-          </p:nvPr>
-        </p:nvSpPr>
-        <p:spPr>
-          <a:xfrm>
-            <a:off x="6867383" y="4929095"/>
-            <a:ext cx="2057400" cy="273900"/>
-          </a:xfrm>
-          <a:prstGeom prst="rect">
-            <a:avLst/>
-          </a:prstGeom>
-          <a:noFill/>
-          <a:ln>
-            <a:noFill/>
-          </a:ln>
-        </p:spPr>
-        <p:txBody>
-          <a:bodyPr anchorCtr="0" anchor="t" bIns="45700" lIns="91425" spcFirstLastPara="1" rIns="91425" wrap="square" tIns="45700">
-            <a:normAutofit lnSpcReduction="10000"/>
-          </a:bodyPr>
-          <a:lstStyle/>
-          <a:p>
-            <a:pPr indent="0" lvl="0" marL="0" rtl="0" algn="r">
-              <a:spcBef>
-                <a:spcPts val="0"/>
-              </a:spcBef>
-              <a:spcAft>
-                <a:spcPts val="0"/>
-              </a:spcAft>
-              <a:buNone/>
-            </a:pPr>
-            <a:fld id="{00000000-1234-1234-1234-123412341234}" type="slidenum">
-              <a:rPr lang="vi"/>
-              <a:t>‹#›</a:t>
-            </a:fld>
-            <a:endParaRPr/>
-          </a:p>
-        </p:txBody>
-      </p:sp>
-      <p:sp>
-        <p:nvSpPr>
-          <p:cNvPr id="400" name="Google Shape;400;p62"/>
-          <p:cNvSpPr txBox="1"/>
-          <p:nvPr>
-            <p:ph type="title"/>
-          </p:nvPr>
-        </p:nvSpPr>
-        <p:spPr>
-          <a:xfrm>
-            <a:off x="235077" y="58960"/>
-            <a:ext cx="8673900" cy="338700"/>
-          </a:xfrm>
-          <a:prstGeom prst="rect">
-            <a:avLst/>
-          </a:prstGeom>
-          <a:noFill/>
-          <a:ln>
-            <a:noFill/>
-          </a:ln>
-        </p:spPr>
-        <p:txBody>
-          <a:bodyPr anchorCtr="0" anchor="t" bIns="45700" lIns="91425" spcFirstLastPara="1" rIns="91425" wrap="square" tIns="45700">
-            <a:normAutofit fontScale="90000"/>
-          </a:bodyPr>
-          <a:lstStyle/>
-          <a:p>
-            <a:pPr indent="0" lvl="0" marL="0" rtl="0" algn="l">
-              <a:lnSpc>
-                <a:spcPct val="90000"/>
-              </a:lnSpc>
-              <a:spcBef>
-                <a:spcPts val="0"/>
-              </a:spcBef>
-              <a:spcAft>
-                <a:spcPts val="0"/>
-              </a:spcAft>
-              <a:buNone/>
-            </a:pPr>
-            <a:r>
-              <a:rPr b="0" lang="vi">
-                <a:latin typeface="Source Sans Pro"/>
-                <a:ea typeface="Source Sans Pro"/>
-                <a:cs typeface="Source Sans Pro"/>
-                <a:sym typeface="Source Sans Pro"/>
-              </a:rPr>
               <a:t>3. Kết luận</a:t>
             </a:r>
             <a:endParaRPr b="0">
@@ -20910,7 +20579,7 @@
       </p:sp>
       <p:sp>
         <p:nvSpPr>
-          <p:cNvPr id="401" name="Google Shape;401;p62"/>
+          <p:cNvPr id="393" name="Google Shape;393;p61"/>
           <p:cNvSpPr txBox="1"/>
           <p:nvPr/>
         </p:nvSpPr>
@@ -21206,12 +20875,12 @@
 </p:sld>
 </file>
 
-<file path=ppt/slides/slide46.xml><?xml version="1.0" encoding="utf-8"?>
+<file path=ppt/slides/slide45.xml><?xml version="1.0" encoding="utf-8"?>
 <p:sld xmlns:a="http://schemas.openxmlformats.org/drawingml/2006/main" xmlns:r="http://schemas.openxmlformats.org/officeDocument/2006/relationships" xmlns:mc="http://schemas.openxmlformats.org/markup-compatibility/2006" xmlns:mv="urn:schemas-microsoft-com:mac:vml" xmlns:p="http://schemas.openxmlformats.org/presentationml/2006/main" xmlns:c="http://schemas.openxmlformats.org/drawingml/2006/chart" xmlns:dgm="http://schemas.openxmlformats.org/drawingml/2006/diagram" xmlns:o="urn:schemas-microsoft-com:office:office" xmlns:v="urn:schemas-microsoft-com:vml" xmlns:pvml="urn:schemas-microsoft-com:office:powerpoint" xmlns:com="http://schemas.openxmlformats.org/drawingml/2006/compatibility" xmlns:p14="http://schemas.microsoft.com/office/powerpoint/2010/main" xmlns:p15="http://schemas.microsoft.com/office/powerpoint/2012/main" xmlns:ahyp="http://schemas.microsoft.com/office/drawing/2018/hyperlinkcolor">
   <p:cSld>
     <p:spTree>
       <p:nvGrpSpPr>
-        <p:cNvPr id="405" name="Shape 405"/>
+        <p:cNvPr id="397" name="Shape 397"/>
         <p:cNvGrpSpPr/>
         <p:nvPr/>
       </p:nvGrpSpPr>
@@ -21225,7 +20894,7 @@
       </p:grpSpPr>
       <p:sp>
         <p:nvSpPr>
-          <p:cNvPr id="406" name="Google Shape;406;p63"/>
+          <p:cNvPr id="398" name="Google Shape;398;p62"/>
           <p:cNvSpPr txBox="1"/>
           <p:nvPr>
             <p:ph idx="12" type="sldNum"/>
@@ -21269,7 +20938,7 @@
       </p:sp>
       <p:sp>
         <p:nvSpPr>
-          <p:cNvPr id="407" name="Google Shape;407;p63"/>
+          <p:cNvPr id="399" name="Google Shape;399;p62"/>
           <p:cNvSpPr txBox="1"/>
           <p:nvPr/>
         </p:nvSpPr>
@@ -22570,19 +22239,33 @@
             </a:endParaRPr>
           </a:p>
           <a:p>
-            <a:pPr indent="0" lvl="0" marL="0" rtl="0" algn="l">
-              <a:spcBef>
-                <a:spcPts val="0"/>
-              </a:spcBef>
-              <a:spcAft>
-                <a:spcPts val="0"/>
-              </a:spcAft>
-              <a:buNone/>
+            <a:pPr indent="-355600" lvl="0" marL="457200" rtl="0" algn="l">
+              <a:spcBef>
+                <a:spcPts val="0"/>
+              </a:spcBef>
+              <a:spcAft>
+                <a:spcPts val="0"/>
+              </a:spcAft>
+              <a:buClr>
+                <a:schemeClr val="dk1"/>
+              </a:buClr>
+              <a:buSzPts val="2000"/>
+              <a:buFont typeface="Source Sans Pro"/>
+              <a:buAutoNum type="arabicPeriod"/>
             </a:pPr>
             <a:r>
-              <a:t/>
+              <a:rPr lang="vi" sz="2000">
+                <a:solidFill>
+                  <a:schemeClr val="dk1"/>
+                </a:solidFill>
+                <a:latin typeface="Source Sans Pro"/>
+                <a:ea typeface="Source Sans Pro"/>
+                <a:cs typeface="Source Sans Pro"/>
+                <a:sym typeface="Source Sans Pro"/>
+              </a:rPr>
+              <a:t>Database</a:t>
             </a:r>
-            <a:endParaRPr sz="1900">
+            <a:endParaRPr sz="2000">
               <a:solidFill>
                 <a:schemeClr val="dk1"/>
               </a:solidFill>
